--- a/TRABALHOS/MERGE SORT/Algoritmos de ordenação 2018.1.pptx
+++ b/TRABALHOS/MERGE SORT/Algoritmos de ordenação 2018.1.pptx
@@ -33,7 +33,7 @@
   <p:notesSz cx="6858000" cy="9144000"/>
   <p:embeddedFontLst>
     <p:embeddedFont>
-      <p:font typeface="Gill Sans MT" panose="020B0502020104020203" pitchFamily="34" charset="0"/>
+      <p:font typeface="Gill Sans MT" panose="020B0604020202020204" charset="0"/>
       <p:regular r:id="rId23"/>
       <p:bold r:id="rId24"/>
       <p:italic r:id="rId25"/>
@@ -2930,7 +2930,7 @@
           <a:p>
             <a:fld id="{1160EA64-D806-43AC-9DF2-F8C432F32B4C}" type="datetimeFigureOut">
               <a:rPr lang="en-US" dirty="0"/>
-              <a:t>3/27/2018</a:t>
+              <a:t>3/28/2018</a:t>
             </a:fld>
             <a:endParaRPr lang="en-US" dirty="0"/>
           </a:p>
@@ -3110,7 +3110,7 @@
           <a:p>
             <a:fld id="{E9F9C37B-1D36-470B-8223-D6C91242EC14}" type="datetimeFigureOut">
               <a:rPr lang="en-US" dirty="0"/>
-              <a:t>3/27/2018</a:t>
+              <a:t>3/28/2018</a:t>
             </a:fld>
             <a:endParaRPr lang="en-US" dirty="0"/>
           </a:p>
@@ -3300,7 +3300,7 @@
           <a:p>
             <a:fld id="{67C6F52A-A82B-47A2-A83A-8C4C91F2D59F}" type="datetimeFigureOut">
               <a:rPr lang="en-US" dirty="0"/>
-              <a:t>3/27/2018</a:t>
+              <a:t>3/28/2018</a:t>
             </a:fld>
             <a:endParaRPr lang="en-US" dirty="0"/>
           </a:p>
@@ -3843,7 +3843,7 @@
           <a:p>
             <a:fld id="{F070A7B3-6521-4DCA-87E5-044747A908C1}" type="datetimeFigureOut">
               <a:rPr lang="en-US" dirty="0"/>
-              <a:t>3/27/2018</a:t>
+              <a:t>3/28/2018</a:t>
             </a:fld>
             <a:endParaRPr lang="en-US" dirty="0"/>
           </a:p>
@@ -4121,7 +4121,7 @@
           <a:p>
             <a:fld id="{1160EA64-D806-43AC-9DF2-F8C432F32B4C}" type="datetimeFigureOut">
               <a:rPr lang="en-US" dirty="0"/>
-              <a:t>3/27/2018</a:t>
+              <a:t>3/28/2018</a:t>
             </a:fld>
             <a:endParaRPr lang="en-US" dirty="0"/>
           </a:p>
@@ -4363,7 +4363,7 @@
           <a:p>
             <a:fld id="{AB134690-1557-4C89-A502-4959FE7FAD70}" type="datetimeFigureOut">
               <a:rPr lang="en-US" dirty="0"/>
-              <a:t>3/27/2018</a:t>
+              <a:t>3/28/2018</a:t>
             </a:fld>
             <a:endParaRPr lang="en-US" dirty="0"/>
           </a:p>
@@ -4732,7 +4732,7 @@
           <a:p>
             <a:fld id="{4F7D4976-E339-4826-83B7-FBD03F55ECF8}" type="datetimeFigureOut">
               <a:rPr lang="en-US" dirty="0"/>
-              <a:t>3/27/2018</a:t>
+              <a:t>3/28/2018</a:t>
             </a:fld>
             <a:endParaRPr lang="en-US" dirty="0"/>
           </a:p>
@@ -4883,7 +4883,7 @@
           <a:p>
             <a:fld id="{E1037C31-9E7A-4F99-8774-A0E530DE1A42}" type="datetimeFigureOut">
               <a:rPr lang="en-US" dirty="0"/>
-              <a:t>3/27/2018</a:t>
+              <a:t>3/28/2018</a:t>
             </a:fld>
             <a:endParaRPr lang="en-US" dirty="0"/>
           </a:p>
@@ -4988,7 +4988,7 @@
           <a:p>
             <a:fld id="{C278504F-A551-4DE0-9316-4DCD1D8CC752}" type="datetimeFigureOut">
               <a:rPr lang="en-US" dirty="0"/>
-              <a:t>3/27/2018</a:t>
+              <a:t>3/28/2018</a:t>
             </a:fld>
             <a:endParaRPr lang="en-US" dirty="0"/>
           </a:p>
@@ -5355,7 +5355,7 @@
           <a:p>
             <a:fld id="{D1BE4249-C0D0-4B06-8692-E8BB871AF643}" type="datetimeFigureOut">
               <a:rPr lang="en-US" dirty="0"/>
-              <a:t>3/27/2018</a:t>
+              <a:t>3/28/2018</a:t>
             </a:fld>
             <a:endParaRPr lang="en-US" dirty="0"/>
           </a:p>
@@ -5722,7 +5722,7 @@
           <a:p>
             <a:fld id="{042B0DB6-F5C7-45FB-8CF3-31B45F9C2DAC}" type="datetimeFigureOut">
               <a:rPr lang="en-US" dirty="0"/>
-              <a:t>3/27/2018</a:t>
+              <a:t>3/28/2018</a:t>
             </a:fld>
             <a:endParaRPr lang="en-US" dirty="0"/>
           </a:p>
@@ -5973,7 +5973,7 @@
           <a:p>
             <a:fld id="{1160EA64-D806-43AC-9DF2-F8C432F32B4C}" type="datetimeFigureOut">
               <a:rPr lang="en-US" dirty="0"/>
-              <a:t>3/27/2018</a:t>
+              <a:t>3/28/2018</a:t>
             </a:fld>
             <a:endParaRPr lang="en-US" dirty="0"/>
           </a:p>
@@ -6648,14 +6648,14 @@
                 <a:gridCol w="2045550">
                   <a:extLst>
                     <a:ext uri="{9D8B030D-6E8A-4147-A177-3AD203B41FA5}">
-                      <a16:colId xmlns:a16="http://schemas.microsoft.com/office/drawing/2014/main" val="20000"/>
+                      <a16:colId xmlns:a16="http://schemas.microsoft.com/office/drawing/2014/main" xmlns="" val="20000"/>
                     </a:ext>
                   </a:extLst>
                 </a:gridCol>
                 <a:gridCol w="2045550">
                   <a:extLst>
                     <a:ext uri="{9D8B030D-6E8A-4147-A177-3AD203B41FA5}">
-                      <a16:colId xmlns:a16="http://schemas.microsoft.com/office/drawing/2014/main" val="20001"/>
+                      <a16:colId xmlns:a16="http://schemas.microsoft.com/office/drawing/2014/main" xmlns="" val="20001"/>
                     </a:ext>
                   </a:extLst>
                 </a:gridCol>
@@ -6725,7 +6725,7 @@
                 </a:tc>
                 <a:extLst>
                   <a:ext uri="{0D108BD9-81ED-4DB2-BD59-A6C34878D82A}">
-                    <a16:rowId xmlns:a16="http://schemas.microsoft.com/office/drawing/2014/main" val="10000"/>
+                    <a16:rowId xmlns:a16="http://schemas.microsoft.com/office/drawing/2014/main" xmlns="" val="10000"/>
                   </a:ext>
                 </a:extLst>
               </a:tr>
@@ -6794,7 +6794,7 @@
                 </a:tc>
                 <a:extLst>
                   <a:ext uri="{0D108BD9-81ED-4DB2-BD59-A6C34878D82A}">
-                    <a16:rowId xmlns:a16="http://schemas.microsoft.com/office/drawing/2014/main" val="10001"/>
+                    <a16:rowId xmlns:a16="http://schemas.microsoft.com/office/drawing/2014/main" xmlns="" val="10001"/>
                   </a:ext>
                 </a:extLst>
               </a:tr>
@@ -6863,7 +6863,7 @@
                 </a:tc>
                 <a:extLst>
                   <a:ext uri="{0D108BD9-81ED-4DB2-BD59-A6C34878D82A}">
-                    <a16:rowId xmlns:a16="http://schemas.microsoft.com/office/drawing/2014/main" val="10002"/>
+                    <a16:rowId xmlns:a16="http://schemas.microsoft.com/office/drawing/2014/main" xmlns="" val="10002"/>
                   </a:ext>
                 </a:extLst>
               </a:tr>
@@ -6932,7 +6932,7 @@
                 </a:tc>
                 <a:extLst>
                   <a:ext uri="{0D108BD9-81ED-4DB2-BD59-A6C34878D82A}">
-                    <a16:rowId xmlns:a16="http://schemas.microsoft.com/office/drawing/2014/main" val="10003"/>
+                    <a16:rowId xmlns:a16="http://schemas.microsoft.com/office/drawing/2014/main" xmlns="" val="10003"/>
                   </a:ext>
                 </a:extLst>
               </a:tr>
@@ -7001,7 +7001,7 @@
                 </a:tc>
                 <a:extLst>
                   <a:ext uri="{0D108BD9-81ED-4DB2-BD59-A6C34878D82A}">
-                    <a16:rowId xmlns:a16="http://schemas.microsoft.com/office/drawing/2014/main" val="10004"/>
+                    <a16:rowId xmlns:a16="http://schemas.microsoft.com/office/drawing/2014/main" xmlns="" val="10004"/>
                   </a:ext>
                 </a:extLst>
               </a:tr>
@@ -7624,7 +7624,7 @@
           <p:nvPr>
             <p:extLst>
               <p:ext uri="{D42A27DB-BD31-4B8C-83A1-F6EECF244321}">
-                <p14:modId xmlns:p14="http://schemas.microsoft.com/office/powerpoint/2010/main" val="2364422565"/>
+                <p14:modId xmlns:p14="http://schemas.microsoft.com/office/powerpoint/2010/main" val="659818134"/>
               </p:ext>
             </p:extLst>
           </p:nvPr>
@@ -7644,35 +7644,35 @@
                 <a:gridCol w="1447800">
                   <a:extLst>
                     <a:ext uri="{9D8B030D-6E8A-4147-A177-3AD203B41FA5}">
-                      <a16:colId xmlns:a16="http://schemas.microsoft.com/office/drawing/2014/main" val="20000"/>
+                      <a16:colId xmlns:a16="http://schemas.microsoft.com/office/drawing/2014/main" xmlns="" val="20000"/>
                     </a:ext>
                   </a:extLst>
                 </a:gridCol>
                 <a:gridCol w="1447800">
                   <a:extLst>
                     <a:ext uri="{9D8B030D-6E8A-4147-A177-3AD203B41FA5}">
-                      <a16:colId xmlns:a16="http://schemas.microsoft.com/office/drawing/2014/main" val="20001"/>
+                      <a16:colId xmlns:a16="http://schemas.microsoft.com/office/drawing/2014/main" xmlns="" val="20001"/>
                     </a:ext>
                   </a:extLst>
                 </a:gridCol>
                 <a:gridCol w="1447800">
                   <a:extLst>
                     <a:ext uri="{9D8B030D-6E8A-4147-A177-3AD203B41FA5}">
-                      <a16:colId xmlns:a16="http://schemas.microsoft.com/office/drawing/2014/main" val="20002"/>
+                      <a16:colId xmlns:a16="http://schemas.microsoft.com/office/drawing/2014/main" xmlns="" val="20002"/>
                     </a:ext>
                   </a:extLst>
                 </a:gridCol>
                 <a:gridCol w="1447800">
                   <a:extLst>
                     <a:ext uri="{9D8B030D-6E8A-4147-A177-3AD203B41FA5}">
-                      <a16:colId xmlns:a16="http://schemas.microsoft.com/office/drawing/2014/main" val="20003"/>
+                      <a16:colId xmlns:a16="http://schemas.microsoft.com/office/drawing/2014/main" xmlns="" val="20003"/>
                     </a:ext>
                   </a:extLst>
                 </a:gridCol>
                 <a:gridCol w="1447800">
                   <a:extLst>
                     <a:ext uri="{9D8B030D-6E8A-4147-A177-3AD203B41FA5}">
-                      <a16:colId xmlns:a16="http://schemas.microsoft.com/office/drawing/2014/main" val="20004"/>
+                      <a16:colId xmlns:a16="http://schemas.microsoft.com/office/drawing/2014/main" xmlns="" val="20004"/>
                     </a:ext>
                   </a:extLst>
                 </a:gridCol>
@@ -7756,7 +7756,7 @@
                 </a:tc>
                 <a:extLst>
                   <a:ext uri="{0D108BD9-81ED-4DB2-BD59-A6C34878D82A}">
-                    <a16:rowId xmlns:a16="http://schemas.microsoft.com/office/drawing/2014/main" val="10000"/>
+                    <a16:rowId xmlns:a16="http://schemas.microsoft.com/office/drawing/2014/main" xmlns="" val="10000"/>
                   </a:ext>
                 </a:extLst>
               </a:tr>
@@ -7930,7 +7930,7 @@
                 </a:tc>
                 <a:extLst>
                   <a:ext uri="{0D108BD9-81ED-4DB2-BD59-A6C34878D82A}">
-                    <a16:rowId xmlns:a16="http://schemas.microsoft.com/office/drawing/2014/main" val="10001"/>
+                    <a16:rowId xmlns:a16="http://schemas.microsoft.com/office/drawing/2014/main" xmlns="" val="10001"/>
                   </a:ext>
                 </a:extLst>
               </a:tr>
@@ -7955,28 +7955,12 @@
                         <a:buNone/>
                       </a:pPr>
                       <a:r>
-                        <a:rPr lang="pt-BR" b="1" dirty="0" err="1" smtClean="0">
-                          <a:solidFill>
-                            <a:schemeClr val="dk1"/>
-                          </a:solidFill>
-                        </a:rPr>
-                        <a:t>Bubblet</a:t>
-                      </a:r>
-                      <a:r>
                         <a:rPr lang="pt-BR" b="1" dirty="0" smtClean="0">
                           <a:solidFill>
                             <a:schemeClr val="dk1"/>
                           </a:solidFill>
                         </a:rPr>
-                        <a:t> </a:t>
-                      </a:r>
-                      <a:r>
-                        <a:rPr lang="pt-BR" b="1" dirty="0" err="1">
-                          <a:solidFill>
-                            <a:schemeClr val="dk1"/>
-                          </a:solidFill>
-                        </a:rPr>
-                        <a:t>Sort</a:t>
+                        <a:t>BubbleSort</a:t>
                       </a:r>
                       <a:endParaRPr b="1" dirty="0">
                         <a:solidFill>
@@ -8133,7 +8117,7 @@
                 </a:tc>
                 <a:extLst>
                   <a:ext uri="{0D108BD9-81ED-4DB2-BD59-A6C34878D82A}">
-                    <a16:rowId xmlns:a16="http://schemas.microsoft.com/office/drawing/2014/main" val="10002"/>
+                    <a16:rowId xmlns:a16="http://schemas.microsoft.com/office/drawing/2014/main" xmlns="" val="10002"/>
                   </a:ext>
                 </a:extLst>
               </a:tr>
@@ -8320,7 +8304,7 @@
                 </a:tc>
                 <a:extLst>
                   <a:ext uri="{0D108BD9-81ED-4DB2-BD59-A6C34878D82A}">
-                    <a16:rowId xmlns:a16="http://schemas.microsoft.com/office/drawing/2014/main" val="10004"/>
+                    <a16:rowId xmlns:a16="http://schemas.microsoft.com/office/drawing/2014/main" xmlns="" val="10004"/>
                   </a:ext>
                 </a:extLst>
               </a:tr>
@@ -8507,7 +8491,7 @@
                 </a:tc>
                 <a:extLst>
                   <a:ext uri="{0D108BD9-81ED-4DB2-BD59-A6C34878D82A}">
-                    <a16:rowId xmlns:a16="http://schemas.microsoft.com/office/drawing/2014/main" val="10005"/>
+                    <a16:rowId xmlns:a16="http://schemas.microsoft.com/office/drawing/2014/main" xmlns="" val="10005"/>
                   </a:ext>
                 </a:extLst>
               </a:tr>
@@ -8646,7 +8630,7 @@
           <p:nvPr>
             <p:extLst>
               <p:ext uri="{D42A27DB-BD31-4B8C-83A1-F6EECF244321}">
-                <p14:modId xmlns:p14="http://schemas.microsoft.com/office/powerpoint/2010/main" val="60250887"/>
+                <p14:modId xmlns:p14="http://schemas.microsoft.com/office/powerpoint/2010/main" val="131292883"/>
               </p:ext>
             </p:extLst>
           </p:nvPr>
@@ -8666,35 +8650,35 @@
                 <a:gridCol w="1447800">
                   <a:extLst>
                     <a:ext uri="{9D8B030D-6E8A-4147-A177-3AD203B41FA5}">
-                      <a16:colId xmlns:a16="http://schemas.microsoft.com/office/drawing/2014/main" val="20000"/>
+                      <a16:colId xmlns:a16="http://schemas.microsoft.com/office/drawing/2014/main" xmlns="" val="20000"/>
                     </a:ext>
                   </a:extLst>
                 </a:gridCol>
                 <a:gridCol w="1447800">
                   <a:extLst>
                     <a:ext uri="{9D8B030D-6E8A-4147-A177-3AD203B41FA5}">
-                      <a16:colId xmlns:a16="http://schemas.microsoft.com/office/drawing/2014/main" val="20001"/>
+                      <a16:colId xmlns:a16="http://schemas.microsoft.com/office/drawing/2014/main" xmlns="" val="20001"/>
                     </a:ext>
                   </a:extLst>
                 </a:gridCol>
                 <a:gridCol w="1447800">
                   <a:extLst>
                     <a:ext uri="{9D8B030D-6E8A-4147-A177-3AD203B41FA5}">
-                      <a16:colId xmlns:a16="http://schemas.microsoft.com/office/drawing/2014/main" val="20002"/>
+                      <a16:colId xmlns:a16="http://schemas.microsoft.com/office/drawing/2014/main" xmlns="" val="20002"/>
                     </a:ext>
                   </a:extLst>
                 </a:gridCol>
                 <a:gridCol w="1447800">
                   <a:extLst>
                     <a:ext uri="{9D8B030D-6E8A-4147-A177-3AD203B41FA5}">
-                      <a16:colId xmlns:a16="http://schemas.microsoft.com/office/drawing/2014/main" val="20003"/>
+                      <a16:colId xmlns:a16="http://schemas.microsoft.com/office/drawing/2014/main" xmlns="" val="20003"/>
                     </a:ext>
                   </a:extLst>
                 </a:gridCol>
                 <a:gridCol w="1447800">
                   <a:extLst>
                     <a:ext uri="{9D8B030D-6E8A-4147-A177-3AD203B41FA5}">
-                      <a16:colId xmlns:a16="http://schemas.microsoft.com/office/drawing/2014/main" val="20004"/>
+                      <a16:colId xmlns:a16="http://schemas.microsoft.com/office/drawing/2014/main" xmlns="" val="20004"/>
                     </a:ext>
                   </a:extLst>
                 </a:gridCol>
@@ -8773,7 +8757,7 @@
                 </a:tc>
                 <a:extLst>
                   <a:ext uri="{0D108BD9-81ED-4DB2-BD59-A6C34878D82A}">
-                    <a16:rowId xmlns:a16="http://schemas.microsoft.com/office/drawing/2014/main" val="10000"/>
+                    <a16:rowId xmlns:a16="http://schemas.microsoft.com/office/drawing/2014/main" xmlns="" val="10000"/>
                   </a:ext>
                 </a:extLst>
               </a:tr>
@@ -8927,7 +8911,7 @@
                 </a:tc>
                 <a:extLst>
                   <a:ext uri="{0D108BD9-81ED-4DB2-BD59-A6C34878D82A}">
-                    <a16:rowId xmlns:a16="http://schemas.microsoft.com/office/drawing/2014/main" val="10001"/>
+                    <a16:rowId xmlns:a16="http://schemas.microsoft.com/office/drawing/2014/main" xmlns="" val="10001"/>
                   </a:ext>
                 </a:extLst>
               </a:tr>
@@ -8947,13 +8931,18 @@
                         <a:buNone/>
                       </a:pPr>
                       <a:r>
-                        <a:rPr lang="pt-BR" b="1" dirty="0">
+                        <a:rPr lang="pt-BR" b="1" dirty="0" smtClean="0">
                           <a:solidFill>
                             <a:schemeClr val="dk1"/>
                           </a:solidFill>
                         </a:rPr>
-                        <a:t>BucketSort</a:t>
+                        <a:t>BubbleSort</a:t>
                       </a:r>
+                      <a:endParaRPr lang="pt-BR" b="1" dirty="0">
+                        <a:solidFill>
+                          <a:schemeClr val="dk1"/>
+                        </a:solidFill>
+                      </a:endParaRPr>
                     </a:p>
                   </a:txBody>
                   <a:tcPr marL="91425" marR="91425" marT="91425" marB="91425"/>
@@ -9084,7 +9073,7 @@
                 </a:tc>
                 <a:extLst>
                   <a:ext uri="{0D108BD9-81ED-4DB2-BD59-A6C34878D82A}">
-                    <a16:rowId xmlns:a16="http://schemas.microsoft.com/office/drawing/2014/main" val="10002"/>
+                    <a16:rowId xmlns:a16="http://schemas.microsoft.com/office/drawing/2014/main" xmlns="" val="10002"/>
                   </a:ext>
                 </a:extLst>
               </a:tr>
@@ -9246,7 +9235,7 @@
                 </a:tc>
                 <a:extLst>
                   <a:ext uri="{0D108BD9-81ED-4DB2-BD59-A6C34878D82A}">
-                    <a16:rowId xmlns:a16="http://schemas.microsoft.com/office/drawing/2014/main" val="10004"/>
+                    <a16:rowId xmlns:a16="http://schemas.microsoft.com/office/drawing/2014/main" xmlns="" val="10004"/>
                   </a:ext>
                 </a:extLst>
               </a:tr>
@@ -9408,7 +9397,7 @@
                 </a:tc>
                 <a:extLst>
                   <a:ext uri="{0D108BD9-81ED-4DB2-BD59-A6C34878D82A}">
-                    <a16:rowId xmlns:a16="http://schemas.microsoft.com/office/drawing/2014/main" val="10005"/>
+                    <a16:rowId xmlns:a16="http://schemas.microsoft.com/office/drawing/2014/main" xmlns="" val="10005"/>
                   </a:ext>
                 </a:extLst>
               </a:tr>
@@ -9567,35 +9556,35 @@
                 <a:gridCol w="1447800">
                   <a:extLst>
                     <a:ext uri="{9D8B030D-6E8A-4147-A177-3AD203B41FA5}">
-                      <a16:colId xmlns:a16="http://schemas.microsoft.com/office/drawing/2014/main" val="20000"/>
+                      <a16:colId xmlns:a16="http://schemas.microsoft.com/office/drawing/2014/main" xmlns="" val="20000"/>
                     </a:ext>
                   </a:extLst>
                 </a:gridCol>
                 <a:gridCol w="1447800">
                   <a:extLst>
                     <a:ext uri="{9D8B030D-6E8A-4147-A177-3AD203B41FA5}">
-                      <a16:colId xmlns:a16="http://schemas.microsoft.com/office/drawing/2014/main" val="20001"/>
+                      <a16:colId xmlns:a16="http://schemas.microsoft.com/office/drawing/2014/main" xmlns="" val="20001"/>
                     </a:ext>
                   </a:extLst>
                 </a:gridCol>
                 <a:gridCol w="1447800">
                   <a:extLst>
                     <a:ext uri="{9D8B030D-6E8A-4147-A177-3AD203B41FA5}">
-                      <a16:colId xmlns:a16="http://schemas.microsoft.com/office/drawing/2014/main" val="20002"/>
+                      <a16:colId xmlns:a16="http://schemas.microsoft.com/office/drawing/2014/main" xmlns="" val="20002"/>
                     </a:ext>
                   </a:extLst>
                 </a:gridCol>
                 <a:gridCol w="1447800">
                   <a:extLst>
                     <a:ext uri="{9D8B030D-6E8A-4147-A177-3AD203B41FA5}">
-                      <a16:colId xmlns:a16="http://schemas.microsoft.com/office/drawing/2014/main" val="20003"/>
+                      <a16:colId xmlns:a16="http://schemas.microsoft.com/office/drawing/2014/main" xmlns="" val="20003"/>
                     </a:ext>
                   </a:extLst>
                 </a:gridCol>
                 <a:gridCol w="1447800">
                   <a:extLst>
                     <a:ext uri="{9D8B030D-6E8A-4147-A177-3AD203B41FA5}">
-                      <a16:colId xmlns:a16="http://schemas.microsoft.com/office/drawing/2014/main" val="20004"/>
+                      <a16:colId xmlns:a16="http://schemas.microsoft.com/office/drawing/2014/main" xmlns="" val="20004"/>
                     </a:ext>
                   </a:extLst>
                 </a:gridCol>
@@ -9674,7 +9663,7 @@
                 </a:tc>
                 <a:extLst>
                   <a:ext uri="{0D108BD9-81ED-4DB2-BD59-A6C34878D82A}">
-                    <a16:rowId xmlns:a16="http://schemas.microsoft.com/office/drawing/2014/main" val="10000"/>
+                    <a16:rowId xmlns:a16="http://schemas.microsoft.com/office/drawing/2014/main" xmlns="" val="10000"/>
                   </a:ext>
                 </a:extLst>
               </a:tr>
@@ -9828,7 +9817,7 @@
                 </a:tc>
                 <a:extLst>
                   <a:ext uri="{0D108BD9-81ED-4DB2-BD59-A6C34878D82A}">
-                    <a16:rowId xmlns:a16="http://schemas.microsoft.com/office/drawing/2014/main" val="10001"/>
+                    <a16:rowId xmlns:a16="http://schemas.microsoft.com/office/drawing/2014/main" xmlns="" val="10001"/>
                   </a:ext>
                 </a:extLst>
               </a:tr>
@@ -9990,7 +9979,7 @@
                 </a:tc>
                 <a:extLst>
                   <a:ext uri="{0D108BD9-81ED-4DB2-BD59-A6C34878D82A}">
-                    <a16:rowId xmlns:a16="http://schemas.microsoft.com/office/drawing/2014/main" val="10003"/>
+                    <a16:rowId xmlns:a16="http://schemas.microsoft.com/office/drawing/2014/main" xmlns="" val="10003"/>
                   </a:ext>
                 </a:extLst>
               </a:tr>
@@ -10152,7 +10141,7 @@
                 </a:tc>
                 <a:extLst>
                   <a:ext uri="{0D108BD9-81ED-4DB2-BD59-A6C34878D82A}">
-                    <a16:rowId xmlns:a16="http://schemas.microsoft.com/office/drawing/2014/main" val="10004"/>
+                    <a16:rowId xmlns:a16="http://schemas.microsoft.com/office/drawing/2014/main" xmlns="" val="10004"/>
                   </a:ext>
                 </a:extLst>
               </a:tr>
@@ -10314,7 +10303,7 @@
                 </a:tc>
                 <a:extLst>
                   <a:ext uri="{0D108BD9-81ED-4DB2-BD59-A6C34878D82A}">
-                    <a16:rowId xmlns:a16="http://schemas.microsoft.com/office/drawing/2014/main" val="10005"/>
+                    <a16:rowId xmlns:a16="http://schemas.microsoft.com/office/drawing/2014/main" xmlns="" val="10005"/>
                   </a:ext>
                 </a:extLst>
               </a:tr>
@@ -10439,10 +10428,10 @@
               <a:buNone/>
             </a:pPr>
             <a:r>
-              <a:rPr lang="pt-BR"/>
+              <a:rPr lang="pt-BR" dirty="0" smtClean="0"/>
               <a:t>Variações</a:t>
             </a:r>
-            <a:endParaRPr/>
+            <a:endParaRPr dirty="0"/>
           </a:p>
         </p:txBody>
       </p:sp>
@@ -12176,14 +12165,14 @@
                 <a:gridCol w="2487250">
                   <a:extLst>
                     <a:ext uri="{9D8B030D-6E8A-4147-A177-3AD203B41FA5}">
-                      <a16:colId xmlns:a16="http://schemas.microsoft.com/office/drawing/2014/main" val="20000"/>
+                      <a16:colId xmlns:a16="http://schemas.microsoft.com/office/drawing/2014/main" xmlns="" val="20000"/>
                     </a:ext>
                   </a:extLst>
                 </a:gridCol>
                 <a:gridCol w="2487250">
                   <a:extLst>
                     <a:ext uri="{9D8B030D-6E8A-4147-A177-3AD203B41FA5}">
-                      <a16:colId xmlns:a16="http://schemas.microsoft.com/office/drawing/2014/main" val="20001"/>
+                      <a16:colId xmlns:a16="http://schemas.microsoft.com/office/drawing/2014/main" xmlns="" val="20001"/>
                     </a:ext>
                   </a:extLst>
                 </a:gridCol>
@@ -12269,7 +12258,7 @@
                 </a:tc>
                 <a:extLst>
                   <a:ext uri="{0D108BD9-81ED-4DB2-BD59-A6C34878D82A}">
-                    <a16:rowId xmlns:a16="http://schemas.microsoft.com/office/drawing/2014/main" val="10000"/>
+                    <a16:rowId xmlns:a16="http://schemas.microsoft.com/office/drawing/2014/main" xmlns="" val="10000"/>
                   </a:ext>
                 </a:extLst>
               </a:tr>
@@ -12354,7 +12343,7 @@
                 </a:tc>
                 <a:extLst>
                   <a:ext uri="{0D108BD9-81ED-4DB2-BD59-A6C34878D82A}">
-                    <a16:rowId xmlns:a16="http://schemas.microsoft.com/office/drawing/2014/main" val="10001"/>
+                    <a16:rowId xmlns:a16="http://schemas.microsoft.com/office/drawing/2014/main" xmlns="" val="10001"/>
                   </a:ext>
                 </a:extLst>
               </a:tr>
@@ -12439,7 +12428,7 @@
                 </a:tc>
                 <a:extLst>
                   <a:ext uri="{0D108BD9-81ED-4DB2-BD59-A6C34878D82A}">
-                    <a16:rowId xmlns:a16="http://schemas.microsoft.com/office/drawing/2014/main" val="10002"/>
+                    <a16:rowId xmlns:a16="http://schemas.microsoft.com/office/drawing/2014/main" xmlns="" val="10002"/>
                   </a:ext>
                 </a:extLst>
               </a:tr>
@@ -12508,7 +12497,7 @@
                 </a:tc>
                 <a:extLst>
                   <a:ext uri="{0D108BD9-81ED-4DB2-BD59-A6C34878D82A}">
-                    <a16:rowId xmlns:a16="http://schemas.microsoft.com/office/drawing/2014/main" val="10003"/>
+                    <a16:rowId xmlns:a16="http://schemas.microsoft.com/office/drawing/2014/main" xmlns="" val="10003"/>
                   </a:ext>
                 </a:extLst>
               </a:tr>
